--- a/asset/Post nomad.pptx
+++ b/asset/Post nomad.pptx
@@ -7,6 +7,7 @@
   <p:sldIdLst>
     <p:sldId id="256" r:id="rId2"/>
     <p:sldId id="257" r:id="rId3"/>
+    <p:sldId id="258" r:id="rId4"/>
   </p:sldIdLst>
   <p:sldSz cx="12192000" cy="6858000"/>
   <p:notesSz cx="6858000" cy="9144000"/>
@@ -105,6 +106,11 @@
       </a:defRPr>
     </a:lvl9pPr>
   </p:defaultTextStyle>
+  <p:extLst>
+    <p:ext uri="{EFAFB233-063F-42B5-8137-9DF3F51BA10A}">
+      <p15:sldGuideLst xmlns:p15="http://schemas.microsoft.com/office/powerpoint/2012/main"/>
+    </p:ext>
+  </p:extLst>
 </p:presentation>
 </file>
 
@@ -255,7 +261,7 @@
           <a:p>
             <a:fld id="{BE437FEF-A67D-44D1-99D1-B1B4D798B3FF}" type="datetimeFigureOut">
               <a:rPr lang="ko-KR" altLang="en-US" smtClean="0"/>
-              <a:t>2020-08-04</a:t>
+              <a:t>2020-08-21</a:t>
             </a:fld>
             <a:endParaRPr lang="ko-KR" altLang="en-US"/>
           </a:p>
@@ -453,7 +459,7 @@
           <a:p>
             <a:fld id="{BE437FEF-A67D-44D1-99D1-B1B4D798B3FF}" type="datetimeFigureOut">
               <a:rPr lang="ko-KR" altLang="en-US" smtClean="0"/>
-              <a:t>2020-08-04</a:t>
+              <a:t>2020-08-21</a:t>
             </a:fld>
             <a:endParaRPr lang="ko-KR" altLang="en-US"/>
           </a:p>
@@ -661,7 +667,7 @@
           <a:p>
             <a:fld id="{BE437FEF-A67D-44D1-99D1-B1B4D798B3FF}" type="datetimeFigureOut">
               <a:rPr lang="ko-KR" altLang="en-US" smtClean="0"/>
-              <a:t>2020-08-04</a:t>
+              <a:t>2020-08-21</a:t>
             </a:fld>
             <a:endParaRPr lang="ko-KR" altLang="en-US"/>
           </a:p>
@@ -859,7 +865,7 @@
           <a:p>
             <a:fld id="{BE437FEF-A67D-44D1-99D1-B1B4D798B3FF}" type="datetimeFigureOut">
               <a:rPr lang="ko-KR" altLang="en-US" smtClean="0"/>
-              <a:t>2020-08-04</a:t>
+              <a:t>2020-08-21</a:t>
             </a:fld>
             <a:endParaRPr lang="ko-KR" altLang="en-US"/>
           </a:p>
@@ -1134,7 +1140,7 @@
           <a:p>
             <a:fld id="{BE437FEF-A67D-44D1-99D1-B1B4D798B3FF}" type="datetimeFigureOut">
               <a:rPr lang="ko-KR" altLang="en-US" smtClean="0"/>
-              <a:t>2020-08-04</a:t>
+              <a:t>2020-08-21</a:t>
             </a:fld>
             <a:endParaRPr lang="ko-KR" altLang="en-US"/>
           </a:p>
@@ -1399,7 +1405,7 @@
           <a:p>
             <a:fld id="{BE437FEF-A67D-44D1-99D1-B1B4D798B3FF}" type="datetimeFigureOut">
               <a:rPr lang="ko-KR" altLang="en-US" smtClean="0"/>
-              <a:t>2020-08-04</a:t>
+              <a:t>2020-08-21</a:t>
             </a:fld>
             <a:endParaRPr lang="ko-KR" altLang="en-US"/>
           </a:p>
@@ -1811,7 +1817,7 @@
           <a:p>
             <a:fld id="{BE437FEF-A67D-44D1-99D1-B1B4D798B3FF}" type="datetimeFigureOut">
               <a:rPr lang="ko-KR" altLang="en-US" smtClean="0"/>
-              <a:t>2020-08-04</a:t>
+              <a:t>2020-08-21</a:t>
             </a:fld>
             <a:endParaRPr lang="ko-KR" altLang="en-US"/>
           </a:p>
@@ -1952,7 +1958,7 @@
           <a:p>
             <a:fld id="{BE437FEF-A67D-44D1-99D1-B1B4D798B3FF}" type="datetimeFigureOut">
               <a:rPr lang="ko-KR" altLang="en-US" smtClean="0"/>
-              <a:t>2020-08-04</a:t>
+              <a:t>2020-08-21</a:t>
             </a:fld>
             <a:endParaRPr lang="ko-KR" altLang="en-US"/>
           </a:p>
@@ -2065,7 +2071,7 @@
           <a:p>
             <a:fld id="{BE437FEF-A67D-44D1-99D1-B1B4D798B3FF}" type="datetimeFigureOut">
               <a:rPr lang="ko-KR" altLang="en-US" smtClean="0"/>
-              <a:t>2020-08-04</a:t>
+              <a:t>2020-08-21</a:t>
             </a:fld>
             <a:endParaRPr lang="ko-KR" altLang="en-US"/>
           </a:p>
@@ -2376,7 +2382,7 @@
           <a:p>
             <a:fld id="{BE437FEF-A67D-44D1-99D1-B1B4D798B3FF}" type="datetimeFigureOut">
               <a:rPr lang="ko-KR" altLang="en-US" smtClean="0"/>
-              <a:t>2020-08-04</a:t>
+              <a:t>2020-08-21</a:t>
             </a:fld>
             <a:endParaRPr lang="ko-KR" altLang="en-US"/>
           </a:p>
@@ -2664,7 +2670,7 @@
           <a:p>
             <a:fld id="{BE437FEF-A67D-44D1-99D1-B1B4D798B3FF}" type="datetimeFigureOut">
               <a:rPr lang="ko-KR" altLang="en-US" smtClean="0"/>
-              <a:t>2020-08-04</a:t>
+              <a:t>2020-08-21</a:t>
             </a:fld>
             <a:endParaRPr lang="ko-KR" altLang="en-US"/>
           </a:p>
@@ -2905,7 +2911,7 @@
           <a:p>
             <a:fld id="{BE437FEF-A67D-44D1-99D1-B1B4D798B3FF}" type="datetimeFigureOut">
               <a:rPr lang="ko-KR" altLang="en-US" smtClean="0"/>
-              <a:t>2020-08-04</a:t>
+              <a:t>2020-08-21</a:t>
             </a:fld>
             <a:endParaRPr lang="ko-KR" altLang="en-US"/>
           </a:p>
@@ -4327,6 +4333,1088 @@
 </p:sld>
 </file>
 
+<file path=ppt/slides/slide3.xml><?xml version="1.0" encoding="utf-8"?>
+<p:sld xmlns:a="http://schemas.openxmlformats.org/drawingml/2006/main" xmlns:r="http://schemas.openxmlformats.org/officeDocument/2006/relationships" xmlns:p="http://schemas.openxmlformats.org/presentationml/2006/main">
+  <p:cSld>
+    <p:spTree>
+      <p:nvGrpSpPr>
+        <p:cNvPr id="1" name=""/>
+        <p:cNvGrpSpPr/>
+        <p:nvPr/>
+      </p:nvGrpSpPr>
+      <p:grpSpPr>
+        <a:xfrm>
+          <a:off x="0" y="0"/>
+          <a:ext cx="0" cy="0"/>
+          <a:chOff x="0" y="0"/>
+          <a:chExt cx="0" cy="0"/>
+        </a:xfrm>
+      </p:grpSpPr>
+      <p:sp>
+        <p:nvSpPr>
+          <p:cNvPr id="2" name="원통형 1">
+            <a:extLst>
+              <a:ext uri="{FF2B5EF4-FFF2-40B4-BE49-F238E27FC236}">
+                <a16:creationId xmlns:a16="http://schemas.microsoft.com/office/drawing/2014/main" id="{B4D7D4D3-B192-43A1-A563-3F19CD43D022}"/>
+              </a:ext>
+            </a:extLst>
+          </p:cNvPr>
+          <p:cNvSpPr/>
+          <p:nvPr/>
+        </p:nvSpPr>
+        <p:spPr>
+          <a:xfrm>
+            <a:off x="330800" y="1116975"/>
+            <a:ext cx="1053384" cy="1693599"/>
+          </a:xfrm>
+          <a:prstGeom prst="can">
+            <a:avLst/>
+          </a:prstGeom>
+          <a:solidFill>
+            <a:srgbClr val="7030A0"/>
+          </a:solidFill>
+          <a:ln>
+            <a:noFill/>
+          </a:ln>
+        </p:spPr>
+        <p:style>
+          <a:lnRef idx="2">
+            <a:schemeClr val="accent1">
+              <a:shade val="50000"/>
+            </a:schemeClr>
+          </a:lnRef>
+          <a:fillRef idx="1">
+            <a:schemeClr val="accent1"/>
+          </a:fillRef>
+          <a:effectRef idx="0">
+            <a:schemeClr val="accent1"/>
+          </a:effectRef>
+          <a:fontRef idx="minor">
+            <a:schemeClr val="lt1"/>
+          </a:fontRef>
+        </p:style>
+        <p:txBody>
+          <a:bodyPr rtlCol="0" anchor="ctr"/>
+          <a:lstStyle/>
+          <a:p>
+            <a:pPr algn="ctr"/>
+            <a:r>
+              <a:rPr lang="en-US" altLang="ko-KR" b="1" dirty="0">
+                <a:solidFill>
+                  <a:schemeClr val="bg1"/>
+                </a:solidFill>
+                <a:latin typeface="Consolas" panose="020B0609020204030204" pitchFamily="49" charset="0"/>
+              </a:rPr>
+              <a:t>sign</a:t>
+            </a:r>
+          </a:p>
+          <a:p>
+            <a:pPr algn="ctr"/>
+            <a:r>
+              <a:rPr lang="en-US" altLang="ko-KR" b="1" dirty="0">
+                <a:solidFill>
+                  <a:schemeClr val="bg1"/>
+                </a:solidFill>
+                <a:latin typeface="Consolas" panose="020B0609020204030204" pitchFamily="49" charset="0"/>
+              </a:rPr>
+              <a:t>image</a:t>
+            </a:r>
+          </a:p>
+          <a:p>
+            <a:pPr algn="ctr"/>
+            <a:r>
+              <a:rPr lang="en-US" altLang="ko-KR" b="1" dirty="0">
+                <a:solidFill>
+                  <a:schemeClr val="bg1"/>
+                </a:solidFill>
+                <a:latin typeface="Consolas" panose="020B0609020204030204" pitchFamily="49" charset="0"/>
+              </a:rPr>
+              <a:t>DATA</a:t>
+            </a:r>
+            <a:endParaRPr lang="ko-KR" altLang="en-US" b="1" dirty="0">
+              <a:solidFill>
+                <a:schemeClr val="bg1"/>
+              </a:solidFill>
+              <a:latin typeface="Consolas" panose="020B0609020204030204" pitchFamily="49" charset="0"/>
+            </a:endParaRPr>
+          </a:p>
+        </p:txBody>
+      </p:sp>
+      <p:sp>
+        <p:nvSpPr>
+          <p:cNvPr id="3" name="순서도: 수행의 시작/종료 2">
+            <a:extLst>
+              <a:ext uri="{FF2B5EF4-FFF2-40B4-BE49-F238E27FC236}">
+                <a16:creationId xmlns:a16="http://schemas.microsoft.com/office/drawing/2014/main" id="{959A3928-2CBF-4195-9558-9FE16D922388}"/>
+              </a:ext>
+            </a:extLst>
+          </p:cNvPr>
+          <p:cNvSpPr/>
+          <p:nvPr/>
+        </p:nvSpPr>
+        <p:spPr>
+          <a:xfrm>
+            <a:off x="743053" y="2989077"/>
+            <a:ext cx="2607276" cy="1569308"/>
+          </a:xfrm>
+          <a:prstGeom prst="flowChartTerminator">
+            <a:avLst/>
+          </a:prstGeom>
+          <a:ln>
+            <a:noFill/>
+          </a:ln>
+        </p:spPr>
+        <p:style>
+          <a:lnRef idx="2">
+            <a:schemeClr val="accent1">
+              <a:shade val="50000"/>
+            </a:schemeClr>
+          </a:lnRef>
+          <a:fillRef idx="1">
+            <a:schemeClr val="accent1"/>
+          </a:fillRef>
+          <a:effectRef idx="0">
+            <a:schemeClr val="accent1"/>
+          </a:effectRef>
+          <a:fontRef idx="minor">
+            <a:schemeClr val="lt1"/>
+          </a:fontRef>
+        </p:style>
+        <p:txBody>
+          <a:bodyPr rtlCol="0" anchor="ctr"/>
+          <a:lstStyle/>
+          <a:p>
+            <a:r>
+              <a:rPr lang="en-US" altLang="ko-KR" b="1" dirty="0">
+                <a:solidFill>
+                  <a:schemeClr val="accent1">
+                    <a:lumMod val="50000"/>
+                  </a:schemeClr>
+                </a:solidFill>
+                <a:latin typeface="Consolas" panose="020B0609020204030204" pitchFamily="49" charset="0"/>
+              </a:rPr>
+              <a:t>Python</a:t>
+            </a:r>
+          </a:p>
+          <a:p>
+            <a:r>
+              <a:rPr lang="en-US" altLang="ko-KR" b="1" dirty="0">
+                <a:solidFill>
+                  <a:schemeClr val="bg1"/>
+                </a:solidFill>
+                <a:latin typeface="Consolas" panose="020B0609020204030204" pitchFamily="49" charset="0"/>
+              </a:rPr>
+              <a:t>Train</a:t>
+            </a:r>
+          </a:p>
+          <a:p>
+            <a:r>
+              <a:rPr lang="en-US" altLang="ko-KR" b="1" dirty="0">
+                <a:solidFill>
+                  <a:schemeClr val="bg1"/>
+                </a:solidFill>
+                <a:latin typeface="Consolas" panose="020B0609020204030204" pitchFamily="49" charset="0"/>
+              </a:rPr>
+              <a:t>(</a:t>
+            </a:r>
+            <a:r>
+              <a:rPr lang="en-US" altLang="ko-KR" b="1" dirty="0" err="1">
+                <a:solidFill>
+                  <a:schemeClr val="bg1"/>
+                </a:solidFill>
+                <a:latin typeface="Consolas" panose="020B0609020204030204" pitchFamily="49" charset="0"/>
+              </a:rPr>
+              <a:t>tensorflow</a:t>
+            </a:r>
+            <a:r>
+              <a:rPr lang="en-US" altLang="ko-KR" b="1" dirty="0">
+                <a:solidFill>
+                  <a:schemeClr val="bg1"/>
+                </a:solidFill>
+                <a:latin typeface="Consolas" panose="020B0609020204030204" pitchFamily="49" charset="0"/>
+              </a:rPr>
+              <a:t> object detection)</a:t>
+            </a:r>
+          </a:p>
+        </p:txBody>
+      </p:sp>
+      <p:sp>
+        <p:nvSpPr>
+          <p:cNvPr id="4" name="순서도: 수행의 시작/종료 3">
+            <a:extLst>
+              <a:ext uri="{FF2B5EF4-FFF2-40B4-BE49-F238E27FC236}">
+                <a16:creationId xmlns:a16="http://schemas.microsoft.com/office/drawing/2014/main" id="{FEB146A4-5219-4E1F-ACB6-33E3806DEF39}"/>
+              </a:ext>
+            </a:extLst>
+          </p:cNvPr>
+          <p:cNvSpPr/>
+          <p:nvPr/>
+        </p:nvSpPr>
+        <p:spPr>
+          <a:xfrm>
+            <a:off x="3737107" y="2986902"/>
+            <a:ext cx="2607276" cy="1569308"/>
+          </a:xfrm>
+          <a:prstGeom prst="flowChartTerminator">
+            <a:avLst/>
+          </a:prstGeom>
+          <a:ln>
+            <a:noFill/>
+          </a:ln>
+        </p:spPr>
+        <p:style>
+          <a:lnRef idx="2">
+            <a:schemeClr val="accent1">
+              <a:shade val="50000"/>
+            </a:schemeClr>
+          </a:lnRef>
+          <a:fillRef idx="1">
+            <a:schemeClr val="accent1"/>
+          </a:fillRef>
+          <a:effectRef idx="0">
+            <a:schemeClr val="accent1"/>
+          </a:effectRef>
+          <a:fontRef idx="minor">
+            <a:schemeClr val="lt1"/>
+          </a:fontRef>
+        </p:style>
+        <p:txBody>
+          <a:bodyPr rtlCol="0" anchor="ctr"/>
+          <a:lstStyle/>
+          <a:p>
+            <a:r>
+              <a:rPr lang="en-US" altLang="ko-KR" b="1" dirty="0">
+                <a:solidFill>
+                  <a:schemeClr val="accent1">
+                    <a:lumMod val="50000"/>
+                  </a:schemeClr>
+                </a:solidFill>
+                <a:latin typeface="Consolas" panose="020B0609020204030204" pitchFamily="49" charset="0"/>
+              </a:rPr>
+              <a:t>Python 64bit</a:t>
+            </a:r>
+          </a:p>
+          <a:p>
+            <a:r>
+              <a:rPr lang="en-US" altLang="ko-KR" b="1" dirty="0">
+                <a:solidFill>
+                  <a:schemeClr val="bg1"/>
+                </a:solidFill>
+                <a:latin typeface="Consolas" panose="020B0609020204030204" pitchFamily="49" charset="0"/>
+              </a:rPr>
+              <a:t>Inference with</a:t>
+            </a:r>
+          </a:p>
+          <a:p>
+            <a:r>
+              <a:rPr lang="en-US" altLang="ko-KR" b="1" dirty="0">
+                <a:solidFill>
+                  <a:schemeClr val="bg1"/>
+                </a:solidFill>
+                <a:latin typeface="Consolas" panose="020B0609020204030204" pitchFamily="49" charset="0"/>
+              </a:rPr>
+              <a:t>Trained model</a:t>
+            </a:r>
+          </a:p>
+          <a:p>
+            <a:r>
+              <a:rPr lang="en-US" altLang="ko-KR" b="1" dirty="0">
+                <a:solidFill>
+                  <a:schemeClr val="bg1"/>
+                </a:solidFill>
+                <a:latin typeface="Consolas" panose="020B0609020204030204" pitchFamily="49" charset="0"/>
+              </a:rPr>
+              <a:t>!GET RESULT!</a:t>
+            </a:r>
+          </a:p>
+        </p:txBody>
+      </p:sp>
+      <p:sp>
+        <p:nvSpPr>
+          <p:cNvPr id="5" name="직사각형 4">
+            <a:extLst>
+              <a:ext uri="{FF2B5EF4-FFF2-40B4-BE49-F238E27FC236}">
+                <a16:creationId xmlns:a16="http://schemas.microsoft.com/office/drawing/2014/main" id="{ABCB06D1-1F6B-4894-9BBF-D592A43E6850}"/>
+              </a:ext>
+            </a:extLst>
+          </p:cNvPr>
+          <p:cNvSpPr/>
+          <p:nvPr/>
+        </p:nvSpPr>
+        <p:spPr>
+          <a:xfrm>
+            <a:off x="9107054" y="3042894"/>
+            <a:ext cx="2203344" cy="1457324"/>
+          </a:xfrm>
+          <a:prstGeom prst="rect">
+            <a:avLst/>
+          </a:prstGeom>
+          <a:solidFill>
+            <a:schemeClr val="accent4"/>
+          </a:solidFill>
+          <a:ln>
+            <a:noFill/>
+          </a:ln>
+        </p:spPr>
+        <p:style>
+          <a:lnRef idx="2">
+            <a:schemeClr val="accent1">
+              <a:shade val="50000"/>
+            </a:schemeClr>
+          </a:lnRef>
+          <a:fillRef idx="1">
+            <a:schemeClr val="accent1"/>
+          </a:fillRef>
+          <a:effectRef idx="0">
+            <a:schemeClr val="accent1"/>
+          </a:effectRef>
+          <a:fontRef idx="minor">
+            <a:schemeClr val="lt1"/>
+          </a:fontRef>
+        </p:style>
+        <p:txBody>
+          <a:bodyPr rtlCol="0" anchor="ctr"/>
+          <a:lstStyle/>
+          <a:p>
+            <a:r>
+              <a:rPr lang="en-US" altLang="ko-KR" b="1" dirty="0" err="1">
+                <a:solidFill>
+                  <a:schemeClr val="accent4">
+                    <a:lumMod val="50000"/>
+                  </a:schemeClr>
+                </a:solidFill>
+                <a:latin typeface="Consolas" panose="020B0609020204030204" pitchFamily="49" charset="0"/>
+              </a:rPr>
+              <a:t>Labview</a:t>
+            </a:r>
+            <a:r>
+              <a:rPr lang="en-US" altLang="ko-KR" b="1" dirty="0">
+                <a:solidFill>
+                  <a:schemeClr val="accent4">
+                    <a:lumMod val="50000"/>
+                  </a:schemeClr>
+                </a:solidFill>
+                <a:latin typeface="Consolas" panose="020B0609020204030204" pitchFamily="49" charset="0"/>
+              </a:rPr>
+              <a:t> 32bit</a:t>
+            </a:r>
+          </a:p>
+          <a:p>
+            <a:r>
+              <a:rPr lang="en-US" altLang="ko-KR" b="1" dirty="0">
+                <a:solidFill>
+                  <a:sysClr val="windowText" lastClr="000000"/>
+                </a:solidFill>
+                <a:latin typeface="Consolas" panose="020B0609020204030204" pitchFamily="49" charset="0"/>
+              </a:rPr>
+              <a:t>Decision making with the result</a:t>
+            </a:r>
+          </a:p>
+        </p:txBody>
+      </p:sp>
+      <p:sp>
+        <p:nvSpPr>
+          <p:cNvPr id="6" name="TextBox 5">
+            <a:extLst>
+              <a:ext uri="{FF2B5EF4-FFF2-40B4-BE49-F238E27FC236}">
+                <a16:creationId xmlns:a16="http://schemas.microsoft.com/office/drawing/2014/main" id="{1DD8457F-669A-4863-AC83-1871CAA6ECB2}"/>
+              </a:ext>
+            </a:extLst>
+          </p:cNvPr>
+          <p:cNvSpPr txBox="1"/>
+          <p:nvPr/>
+        </p:nvSpPr>
+        <p:spPr>
+          <a:xfrm>
+            <a:off x="3271680" y="2063572"/>
+            <a:ext cx="2464136" cy="923330"/>
+          </a:xfrm>
+          <a:prstGeom prst="rect">
+            <a:avLst/>
+          </a:prstGeom>
+          <a:noFill/>
+        </p:spPr>
+        <p:txBody>
+          <a:bodyPr wrap="none" rtlCol="0">
+            <a:spAutoFit/>
+          </a:bodyPr>
+          <a:lstStyle/>
+          <a:p>
+            <a:r>
+              <a:rPr lang="en-US" altLang="ko-KR" b="1" dirty="0">
+                <a:latin typeface="Consolas" panose="020B0609020204030204" pitchFamily="49" charset="0"/>
+              </a:rPr>
+              <a:t>Import cv2(</a:t>
+            </a:r>
+            <a:r>
+              <a:rPr lang="en-US" altLang="ko-KR" b="1" dirty="0" err="1">
+                <a:latin typeface="Consolas" panose="020B0609020204030204" pitchFamily="49" charset="0"/>
+              </a:rPr>
+              <a:t>opencv</a:t>
+            </a:r>
+            <a:r>
+              <a:rPr lang="en-US" altLang="ko-KR" b="1" dirty="0">
+                <a:latin typeface="Consolas" panose="020B0609020204030204" pitchFamily="49" charset="0"/>
+              </a:rPr>
+              <a:t>)</a:t>
+            </a:r>
+          </a:p>
+          <a:p>
+            <a:r>
+              <a:rPr lang="en-US" altLang="ko-KR" b="1" dirty="0">
+                <a:latin typeface="Consolas" panose="020B0609020204030204" pitchFamily="49" charset="0"/>
+              </a:rPr>
+              <a:t>Video INPUT</a:t>
+            </a:r>
+          </a:p>
+          <a:p>
+            <a:endParaRPr lang="ko-KR" altLang="en-US" b="1" dirty="0">
+              <a:latin typeface="Consolas" panose="020B0609020204030204" pitchFamily="49" charset="0"/>
+            </a:endParaRPr>
+          </a:p>
+        </p:txBody>
+      </p:sp>
+      <p:cxnSp>
+        <p:nvCxnSpPr>
+          <p:cNvPr id="7" name="연결선: 구부러짐 6">
+            <a:extLst>
+              <a:ext uri="{FF2B5EF4-FFF2-40B4-BE49-F238E27FC236}">
+                <a16:creationId xmlns:a16="http://schemas.microsoft.com/office/drawing/2014/main" id="{25A219CB-8059-4ADC-9177-EDD281A571D8}"/>
+              </a:ext>
+            </a:extLst>
+          </p:cNvPr>
+          <p:cNvCxnSpPr>
+            <a:cxnSpLocks/>
+            <a:stCxn id="2" idx="4"/>
+            <a:endCxn id="3" idx="0"/>
+          </p:cNvCxnSpPr>
+          <p:nvPr/>
+        </p:nvCxnSpPr>
+        <p:spPr>
+          <a:xfrm>
+            <a:off x="1384184" y="1963775"/>
+            <a:ext cx="662507" cy="1025302"/>
+          </a:xfrm>
+          <a:prstGeom prst="curvedConnector2">
+            <a:avLst/>
+          </a:prstGeom>
+          <a:ln w="76200">
+            <a:solidFill>
+              <a:schemeClr val="accent6">
+                <a:lumMod val="75000"/>
+              </a:schemeClr>
+            </a:solidFill>
+            <a:tailEnd type="triangle"/>
+          </a:ln>
+        </p:spPr>
+        <p:style>
+          <a:lnRef idx="1">
+            <a:schemeClr val="accent1"/>
+          </a:lnRef>
+          <a:fillRef idx="0">
+            <a:schemeClr val="accent1"/>
+          </a:fillRef>
+          <a:effectRef idx="0">
+            <a:schemeClr val="accent1"/>
+          </a:effectRef>
+          <a:fontRef idx="minor">
+            <a:schemeClr val="tx1"/>
+          </a:fontRef>
+        </p:style>
+      </p:cxnSp>
+      <p:cxnSp>
+        <p:nvCxnSpPr>
+          <p:cNvPr id="8" name="연결선: 구부러짐 7">
+            <a:extLst>
+              <a:ext uri="{FF2B5EF4-FFF2-40B4-BE49-F238E27FC236}">
+                <a16:creationId xmlns:a16="http://schemas.microsoft.com/office/drawing/2014/main" id="{6C3F26F3-505A-475A-893E-DD89BF61C085}"/>
+              </a:ext>
+            </a:extLst>
+          </p:cNvPr>
+          <p:cNvCxnSpPr>
+            <a:cxnSpLocks/>
+            <a:stCxn id="3" idx="3"/>
+            <a:endCxn id="4" idx="1"/>
+          </p:cNvCxnSpPr>
+          <p:nvPr/>
+        </p:nvCxnSpPr>
+        <p:spPr>
+          <a:xfrm flipV="1">
+            <a:off x="3350329" y="3771556"/>
+            <a:ext cx="386778" cy="2175"/>
+          </a:xfrm>
+          <a:prstGeom prst="curvedConnector3">
+            <a:avLst/>
+          </a:prstGeom>
+          <a:ln w="76200">
+            <a:solidFill>
+              <a:schemeClr val="accent6">
+                <a:lumMod val="75000"/>
+              </a:schemeClr>
+            </a:solidFill>
+            <a:tailEnd type="triangle"/>
+          </a:ln>
+        </p:spPr>
+        <p:style>
+          <a:lnRef idx="1">
+            <a:schemeClr val="accent1"/>
+          </a:lnRef>
+          <a:fillRef idx="0">
+            <a:schemeClr val="accent1"/>
+          </a:fillRef>
+          <a:effectRef idx="0">
+            <a:schemeClr val="accent1"/>
+          </a:effectRef>
+          <a:fontRef idx="minor">
+            <a:schemeClr val="tx1"/>
+          </a:fontRef>
+        </p:style>
+      </p:cxnSp>
+      <p:cxnSp>
+        <p:nvCxnSpPr>
+          <p:cNvPr id="9" name="연결선: 구부러짐 8">
+            <a:extLst>
+              <a:ext uri="{FF2B5EF4-FFF2-40B4-BE49-F238E27FC236}">
+                <a16:creationId xmlns:a16="http://schemas.microsoft.com/office/drawing/2014/main" id="{BD004BAB-1DB3-4A3E-A1DF-1962E6CEA7F0}"/>
+              </a:ext>
+            </a:extLst>
+          </p:cNvPr>
+          <p:cNvCxnSpPr>
+            <a:stCxn id="14" idx="2"/>
+            <a:endCxn id="4" idx="0"/>
+          </p:cNvCxnSpPr>
+          <p:nvPr/>
+        </p:nvCxnSpPr>
+        <p:spPr>
+          <a:xfrm rot="5400000">
+            <a:off x="5111516" y="2049761"/>
+            <a:ext cx="866371" cy="1007911"/>
+          </a:xfrm>
+          <a:prstGeom prst="curvedConnector3">
+            <a:avLst/>
+          </a:prstGeom>
+          <a:ln w="76200">
+            <a:solidFill>
+              <a:srgbClr val="FF0000"/>
+            </a:solidFill>
+            <a:tailEnd type="triangle"/>
+          </a:ln>
+        </p:spPr>
+        <p:style>
+          <a:lnRef idx="1">
+            <a:schemeClr val="accent1"/>
+          </a:lnRef>
+          <a:fillRef idx="0">
+            <a:schemeClr val="accent1"/>
+          </a:fillRef>
+          <a:effectRef idx="0">
+            <a:schemeClr val="accent1"/>
+          </a:effectRef>
+          <a:fontRef idx="minor">
+            <a:schemeClr val="tx1"/>
+          </a:fontRef>
+        </p:style>
+      </p:cxnSp>
+      <p:cxnSp>
+        <p:nvCxnSpPr>
+          <p:cNvPr id="10" name="연결선: 구부러짐 9">
+            <a:extLst>
+              <a:ext uri="{FF2B5EF4-FFF2-40B4-BE49-F238E27FC236}">
+                <a16:creationId xmlns:a16="http://schemas.microsoft.com/office/drawing/2014/main" id="{747D2EA6-9671-4DC0-B230-126407CC94FE}"/>
+              </a:ext>
+            </a:extLst>
+          </p:cNvPr>
+          <p:cNvCxnSpPr>
+            <a:cxnSpLocks/>
+            <a:stCxn id="4" idx="3"/>
+            <a:endCxn id="19" idx="2"/>
+          </p:cNvCxnSpPr>
+          <p:nvPr/>
+        </p:nvCxnSpPr>
+        <p:spPr>
+          <a:xfrm flipV="1">
+            <a:off x="6344383" y="3769239"/>
+            <a:ext cx="535822" cy="2317"/>
+          </a:xfrm>
+          <a:prstGeom prst="curvedConnector3">
+            <a:avLst>
+              <a:gd name="adj1" fmla="val 50000"/>
+            </a:avLst>
+          </a:prstGeom>
+          <a:ln w="76200">
+            <a:solidFill>
+              <a:srgbClr val="FF0000"/>
+            </a:solidFill>
+            <a:tailEnd type="triangle"/>
+          </a:ln>
+        </p:spPr>
+        <p:style>
+          <a:lnRef idx="1">
+            <a:schemeClr val="accent1"/>
+          </a:lnRef>
+          <a:fillRef idx="0">
+            <a:schemeClr val="accent1"/>
+          </a:fillRef>
+          <a:effectRef idx="0">
+            <a:schemeClr val="accent1"/>
+          </a:effectRef>
+          <a:fontRef idx="minor">
+            <a:schemeClr val="tx1"/>
+          </a:fontRef>
+        </p:style>
+      </p:cxnSp>
+      <p:grpSp>
+        <p:nvGrpSpPr>
+          <p:cNvPr id="13" name="그룹 12">
+            <a:extLst>
+              <a:ext uri="{FF2B5EF4-FFF2-40B4-BE49-F238E27FC236}">
+                <a16:creationId xmlns:a16="http://schemas.microsoft.com/office/drawing/2014/main" id="{C7C50E4B-AEA0-4027-B293-871042A9022D}"/>
+              </a:ext>
+            </a:extLst>
+          </p:cNvPr>
+          <p:cNvGrpSpPr/>
+          <p:nvPr/>
+        </p:nvGrpSpPr>
+        <p:grpSpPr>
+          <a:xfrm>
+            <a:off x="5591456" y="859758"/>
+            <a:ext cx="2469053" cy="1604324"/>
+            <a:chOff x="6602627" y="839876"/>
+            <a:chExt cx="2469053" cy="1604324"/>
+          </a:xfrm>
+        </p:grpSpPr>
+        <p:pic>
+          <p:nvPicPr>
+            <p:cNvPr id="14" name="그래픽 13" descr="웹 캠">
+              <a:extLst>
+                <a:ext uri="{FF2B5EF4-FFF2-40B4-BE49-F238E27FC236}">
+                  <a16:creationId xmlns:a16="http://schemas.microsoft.com/office/drawing/2014/main" id="{E4A21110-7536-4757-AF02-25E3E0C4181A}"/>
+                </a:ext>
+              </a:extLst>
+            </p:cNvPr>
+            <p:cNvPicPr>
+              <a:picLocks noChangeAspect="1"/>
+            </p:cNvPicPr>
+            <p:nvPr/>
+          </p:nvPicPr>
+          <p:blipFill>
+            <a:blip r:embed="rId2">
+              <a:extLst>
+                <a:ext uri="{28A0092B-C50C-407E-A947-70E740481C1C}">
+                  <a14:useLocalDpi xmlns:a14="http://schemas.microsoft.com/office/drawing/2010/main" val="0"/>
+                </a:ext>
+                <a:ext uri="{96DAC541-7B7A-43D3-8B79-37D633B846F1}">
+                  <asvg:svgBlip xmlns:asvg="http://schemas.microsoft.com/office/drawing/2016/SVG/main" r:embed="rId3"/>
+                </a:ext>
+              </a:extLst>
+            </a:blip>
+            <a:stretch>
+              <a:fillRect/>
+            </a:stretch>
+          </p:blipFill>
+          <p:spPr>
+            <a:xfrm>
+              <a:off x="6602627" y="1186249"/>
+              <a:ext cx="914400" cy="914400"/>
+            </a:xfrm>
+            <a:prstGeom prst="rect">
+              <a:avLst/>
+            </a:prstGeom>
+          </p:spPr>
+        </p:pic>
+        <p:pic>
+          <p:nvPicPr>
+            <p:cNvPr id="15" name="그래픽 14" descr="자동차">
+              <a:extLst>
+                <a:ext uri="{FF2B5EF4-FFF2-40B4-BE49-F238E27FC236}">
+                  <a16:creationId xmlns:a16="http://schemas.microsoft.com/office/drawing/2014/main" id="{7C99A518-5D94-4D20-9771-EE63094517EF}"/>
+                </a:ext>
+              </a:extLst>
+            </p:cNvPr>
+            <p:cNvPicPr>
+              <a:picLocks noChangeAspect="1"/>
+            </p:cNvPicPr>
+            <p:nvPr/>
+          </p:nvPicPr>
+          <p:blipFill>
+            <a:blip r:embed="rId4">
+              <a:extLst>
+                <a:ext uri="{28A0092B-C50C-407E-A947-70E740481C1C}">
+                  <a14:useLocalDpi xmlns:a14="http://schemas.microsoft.com/office/drawing/2010/main" val="0"/>
+                </a:ext>
+                <a:ext uri="{96DAC541-7B7A-43D3-8B79-37D633B846F1}">
+                  <asvg:svgBlip xmlns:asvg="http://schemas.microsoft.com/office/drawing/2016/SVG/main" r:embed="rId5"/>
+                </a:ext>
+              </a:extLst>
+            </a:blip>
+            <a:stretch>
+              <a:fillRect/>
+            </a:stretch>
+          </p:blipFill>
+          <p:spPr>
+            <a:xfrm flipH="1">
+              <a:off x="7467356" y="839876"/>
+              <a:ext cx="1604324" cy="1604324"/>
+            </a:xfrm>
+            <a:prstGeom prst="rect">
+              <a:avLst/>
+            </a:prstGeom>
+          </p:spPr>
+        </p:pic>
+      </p:grpSp>
+      <p:cxnSp>
+        <p:nvCxnSpPr>
+          <p:cNvPr id="16" name="연결선: 구부러짐 15">
+            <a:extLst>
+              <a:ext uri="{FF2B5EF4-FFF2-40B4-BE49-F238E27FC236}">
+                <a16:creationId xmlns:a16="http://schemas.microsoft.com/office/drawing/2014/main" id="{4C1BA54F-9676-4F85-B018-9F4452523DE4}"/>
+              </a:ext>
+            </a:extLst>
+          </p:cNvPr>
+          <p:cNvCxnSpPr>
+            <a:cxnSpLocks/>
+            <a:stCxn id="19" idx="6"/>
+            <a:endCxn id="5" idx="1"/>
+          </p:cNvCxnSpPr>
+          <p:nvPr/>
+        </p:nvCxnSpPr>
+        <p:spPr>
+          <a:xfrm>
+            <a:off x="8637037" y="3769239"/>
+            <a:ext cx="470017" cy="2317"/>
+          </a:xfrm>
+          <a:prstGeom prst="curvedConnector3">
+            <a:avLst>
+              <a:gd name="adj1" fmla="val 50000"/>
+            </a:avLst>
+          </a:prstGeom>
+          <a:ln w="76200">
+            <a:solidFill>
+              <a:srgbClr val="FF0000"/>
+            </a:solidFill>
+            <a:tailEnd type="triangle"/>
+          </a:ln>
+        </p:spPr>
+        <p:style>
+          <a:lnRef idx="1">
+            <a:schemeClr val="accent1"/>
+          </a:lnRef>
+          <a:fillRef idx="0">
+            <a:schemeClr val="accent1"/>
+          </a:fillRef>
+          <a:effectRef idx="0">
+            <a:schemeClr val="accent1"/>
+          </a:effectRef>
+          <a:fontRef idx="minor">
+            <a:schemeClr val="tx1"/>
+          </a:fontRef>
+        </p:style>
+      </p:cxnSp>
+      <p:sp>
+        <p:nvSpPr>
+          <p:cNvPr id="19" name="타원 18">
+            <a:extLst>
+              <a:ext uri="{FF2B5EF4-FFF2-40B4-BE49-F238E27FC236}">
+                <a16:creationId xmlns:a16="http://schemas.microsoft.com/office/drawing/2014/main" id="{C50C347A-A8CF-4377-8426-B31E0ED0D1C5}"/>
+              </a:ext>
+            </a:extLst>
+          </p:cNvPr>
+          <p:cNvSpPr/>
+          <p:nvPr/>
+        </p:nvSpPr>
+        <p:spPr>
+          <a:xfrm>
+            <a:off x="6880205" y="2897206"/>
+            <a:ext cx="1756832" cy="1744066"/>
+          </a:xfrm>
+          <a:prstGeom prst="ellipse">
+            <a:avLst/>
+          </a:prstGeom>
+          <a:solidFill>
+            <a:schemeClr val="accent6">
+              <a:lumMod val="60000"/>
+              <a:lumOff val="40000"/>
+            </a:schemeClr>
+          </a:solidFill>
+          <a:ln>
+            <a:noFill/>
+          </a:ln>
+        </p:spPr>
+        <p:style>
+          <a:lnRef idx="2">
+            <a:schemeClr val="accent1">
+              <a:shade val="50000"/>
+            </a:schemeClr>
+          </a:lnRef>
+          <a:fillRef idx="1">
+            <a:schemeClr val="accent1"/>
+          </a:fillRef>
+          <a:effectRef idx="0">
+            <a:schemeClr val="accent1"/>
+          </a:effectRef>
+          <a:fontRef idx="minor">
+            <a:schemeClr val="lt1"/>
+          </a:fontRef>
+        </p:style>
+        <p:txBody>
+          <a:bodyPr rtlCol="0" anchor="ctr"/>
+          <a:lstStyle/>
+          <a:p>
+            <a:endParaRPr lang="en-US" altLang="ko-KR" b="1" dirty="0">
+              <a:solidFill>
+                <a:schemeClr val="tx1"/>
+              </a:solidFill>
+              <a:latin typeface="Consolas" panose="020B0609020204030204" pitchFamily="49" charset="0"/>
+            </a:endParaRPr>
+          </a:p>
+        </p:txBody>
+      </p:sp>
+      <p:sp>
+        <p:nvSpPr>
+          <p:cNvPr id="29" name="타원 28">
+            <a:extLst>
+              <a:ext uri="{FF2B5EF4-FFF2-40B4-BE49-F238E27FC236}">
+                <a16:creationId xmlns:a16="http://schemas.microsoft.com/office/drawing/2014/main" id="{6BD98A19-98B3-4C79-88F4-9DFB7938B364}"/>
+              </a:ext>
+            </a:extLst>
+          </p:cNvPr>
+          <p:cNvSpPr/>
+          <p:nvPr/>
+        </p:nvSpPr>
+        <p:spPr>
+          <a:xfrm>
+            <a:off x="7120465" y="3135720"/>
+            <a:ext cx="1276311" cy="1267037"/>
+          </a:xfrm>
+          <a:prstGeom prst="ellipse">
+            <a:avLst/>
+          </a:prstGeom>
+          <a:solidFill>
+            <a:schemeClr val="bg1"/>
+          </a:solidFill>
+          <a:ln>
+            <a:noFill/>
+          </a:ln>
+        </p:spPr>
+        <p:style>
+          <a:lnRef idx="2">
+            <a:schemeClr val="accent1">
+              <a:shade val="50000"/>
+            </a:schemeClr>
+          </a:lnRef>
+          <a:fillRef idx="1">
+            <a:schemeClr val="accent1"/>
+          </a:fillRef>
+          <a:effectRef idx="0">
+            <a:schemeClr val="accent1"/>
+          </a:effectRef>
+          <a:fontRef idx="minor">
+            <a:schemeClr val="lt1"/>
+          </a:fontRef>
+        </p:style>
+        <p:txBody>
+          <a:bodyPr rtlCol="0" anchor="ctr"/>
+          <a:lstStyle/>
+          <a:p>
+            <a:endParaRPr lang="en-US" altLang="ko-KR" b="1" dirty="0">
+              <a:solidFill>
+                <a:schemeClr val="tx1"/>
+              </a:solidFill>
+              <a:latin typeface="Consolas" panose="020B0609020204030204" pitchFamily="49" charset="0"/>
+            </a:endParaRPr>
+          </a:p>
+        </p:txBody>
+      </p:sp>
+      <p:sp>
+        <p:nvSpPr>
+          <p:cNvPr id="32" name="타원 31">
+            <a:extLst>
+              <a:ext uri="{FF2B5EF4-FFF2-40B4-BE49-F238E27FC236}">
+                <a16:creationId xmlns:a16="http://schemas.microsoft.com/office/drawing/2014/main" id="{6CF5D6C7-C960-4740-8A7F-95FAB6DE49D1}"/>
+              </a:ext>
+            </a:extLst>
+          </p:cNvPr>
+          <p:cNvSpPr/>
+          <p:nvPr/>
+        </p:nvSpPr>
+        <p:spPr>
+          <a:xfrm>
+            <a:off x="7209672" y="3224279"/>
+            <a:ext cx="1097895" cy="1089917"/>
+          </a:xfrm>
+          <a:prstGeom prst="ellipse">
+            <a:avLst/>
+          </a:prstGeom>
+          <a:solidFill>
+            <a:schemeClr val="accent6">
+              <a:lumMod val="60000"/>
+              <a:lumOff val="40000"/>
+            </a:schemeClr>
+          </a:solidFill>
+          <a:ln>
+            <a:noFill/>
+          </a:ln>
+        </p:spPr>
+        <p:style>
+          <a:lnRef idx="2">
+            <a:schemeClr val="accent1">
+              <a:shade val="50000"/>
+            </a:schemeClr>
+          </a:lnRef>
+          <a:fillRef idx="1">
+            <a:schemeClr val="accent1"/>
+          </a:fillRef>
+          <a:effectRef idx="0">
+            <a:schemeClr val="accent1"/>
+          </a:effectRef>
+          <a:fontRef idx="minor">
+            <a:schemeClr val="lt1"/>
+          </a:fontRef>
+        </p:style>
+        <p:txBody>
+          <a:bodyPr rtlCol="0" anchor="ctr"/>
+          <a:lstStyle/>
+          <a:p>
+            <a:endParaRPr lang="en-US" altLang="ko-KR" b="1" dirty="0">
+              <a:solidFill>
+                <a:schemeClr val="tx1"/>
+              </a:solidFill>
+              <a:latin typeface="Consolas" panose="020B0609020204030204" pitchFamily="49" charset="0"/>
+            </a:endParaRPr>
+          </a:p>
+        </p:txBody>
+      </p:sp>
+      <p:sp>
+        <p:nvSpPr>
+          <p:cNvPr id="34" name="타원 33">
+            <a:extLst>
+              <a:ext uri="{FF2B5EF4-FFF2-40B4-BE49-F238E27FC236}">
+                <a16:creationId xmlns:a16="http://schemas.microsoft.com/office/drawing/2014/main" id="{BD3170C3-BA6A-4024-A009-81B86A1E2C65}"/>
+              </a:ext>
+            </a:extLst>
+          </p:cNvPr>
+          <p:cNvSpPr/>
+          <p:nvPr/>
+        </p:nvSpPr>
+        <p:spPr>
+          <a:xfrm>
+            <a:off x="7345224" y="3346729"/>
+            <a:ext cx="825127" cy="819131"/>
+          </a:xfrm>
+          <a:prstGeom prst="ellipse">
+            <a:avLst/>
+          </a:prstGeom>
+          <a:solidFill>
+            <a:schemeClr val="bg1"/>
+          </a:solidFill>
+          <a:ln>
+            <a:noFill/>
+          </a:ln>
+        </p:spPr>
+        <p:style>
+          <a:lnRef idx="2">
+            <a:schemeClr val="accent1">
+              <a:shade val="50000"/>
+            </a:schemeClr>
+          </a:lnRef>
+          <a:fillRef idx="1">
+            <a:schemeClr val="accent1"/>
+          </a:fillRef>
+          <a:effectRef idx="0">
+            <a:schemeClr val="accent1"/>
+          </a:effectRef>
+          <a:fontRef idx="minor">
+            <a:schemeClr val="lt1"/>
+          </a:fontRef>
+        </p:style>
+        <p:txBody>
+          <a:bodyPr rtlCol="0" anchor="ctr"/>
+          <a:lstStyle/>
+          <a:p>
+            <a:endParaRPr lang="en-US" altLang="ko-KR" b="1" dirty="0">
+              <a:solidFill>
+                <a:schemeClr val="tx1"/>
+              </a:solidFill>
+              <a:latin typeface="Consolas" panose="020B0609020204030204" pitchFamily="49" charset="0"/>
+            </a:endParaRPr>
+          </a:p>
+        </p:txBody>
+      </p:sp>
+      <p:sp>
+        <p:nvSpPr>
+          <p:cNvPr id="30" name="TextBox 29">
+            <a:extLst>
+              <a:ext uri="{FF2B5EF4-FFF2-40B4-BE49-F238E27FC236}">
+                <a16:creationId xmlns:a16="http://schemas.microsoft.com/office/drawing/2014/main" id="{1E268B03-3C99-4DC3-B513-35B5E942F4CD}"/>
+              </a:ext>
+            </a:extLst>
+          </p:cNvPr>
+          <p:cNvSpPr txBox="1"/>
+          <p:nvPr/>
+        </p:nvSpPr>
+        <p:spPr>
+          <a:xfrm>
+            <a:off x="7158905" y="3294629"/>
+            <a:ext cx="1197764" cy="923330"/>
+          </a:xfrm>
+          <a:prstGeom prst="rect">
+            <a:avLst/>
+          </a:prstGeom>
+          <a:noFill/>
+        </p:spPr>
+        <p:txBody>
+          <a:bodyPr wrap="none" rtlCol="0">
+            <a:spAutoFit/>
+          </a:bodyPr>
+          <a:lstStyle/>
+          <a:p>
+            <a:r>
+              <a:rPr lang="en-US" altLang="ko-KR" b="1" dirty="0">
+                <a:solidFill>
+                  <a:schemeClr val="tx1"/>
+                </a:solidFill>
+                <a:latin typeface="Consolas" panose="020B0609020204030204" pitchFamily="49" charset="0"/>
+              </a:rPr>
+              <a:t>User</a:t>
+            </a:r>
+          </a:p>
+          <a:p>
+            <a:r>
+              <a:rPr lang="en-US" altLang="ko-KR" b="1" dirty="0">
+                <a:solidFill>
+                  <a:schemeClr val="tx1"/>
+                </a:solidFill>
+                <a:latin typeface="Consolas" panose="020B0609020204030204" pitchFamily="49" charset="0"/>
+              </a:rPr>
+              <a:t>Datagram</a:t>
+            </a:r>
+          </a:p>
+          <a:p>
+            <a:r>
+              <a:rPr lang="en-US" altLang="ko-KR" b="1" dirty="0">
+                <a:solidFill>
+                  <a:schemeClr val="tx1"/>
+                </a:solidFill>
+                <a:latin typeface="Consolas" panose="020B0609020204030204" pitchFamily="49" charset="0"/>
+              </a:rPr>
+              <a:t>Protocol</a:t>
+            </a:r>
+          </a:p>
+        </p:txBody>
+      </p:sp>
+    </p:spTree>
+    <p:extLst>
+      <p:ext uri="{BB962C8B-B14F-4D97-AF65-F5344CB8AC3E}">
+        <p14:creationId xmlns:p14="http://schemas.microsoft.com/office/powerpoint/2010/main" val="1419200607"/>
+      </p:ext>
+    </p:extLst>
+  </p:cSld>
+  <p:clrMapOvr>
+    <a:masterClrMapping/>
+  </p:clrMapOvr>
+</p:sld>
+</file>
+
 <file path=ppt/theme/theme1.xml><?xml version="1.0" encoding="utf-8"?>
 <a:theme xmlns:a="http://schemas.openxmlformats.org/drawingml/2006/main" name="Office 테마">
   <a:themeElements>
